--- a/DevSecOpsPipline.pptx
+++ b/DevSecOpsPipline.pptx
@@ -5579,7 +5579,7 @@
         </p:nvSpPr>
         <p:spPr>
           <a:xfrm>
-            <a:off x="2480280" y="2669209"/>
+            <a:off x="2067317" y="2669809"/>
             <a:ext cx="1308000" cy="597600"/>
           </a:xfrm>
           <a:prstGeom prst="rect">
@@ -5608,10 +5608,10 @@
               <a:buNone/>
             </a:pPr>
             <a:r>
-              <a:rPr lang="en" sz="1000"/>
+              <a:rPr lang="en" sz="1000" dirty="0"/>
               <a:t>Build application container or OS image</a:t>
             </a:r>
-            <a:endParaRPr sz="1000"/>
+            <a:endParaRPr sz="1000" dirty="0"/>
           </a:p>
         </p:txBody>
       </p:sp>
@@ -5803,7 +5803,7 @@
         <p:spPr>
           <a:xfrm>
             <a:off x="1645292" y="2430984"/>
-            <a:ext cx="1488988" cy="238225"/>
+            <a:ext cx="1076025" cy="238825"/>
           </a:xfrm>
           <a:prstGeom prst="bentConnector2">
             <a:avLst/>
@@ -5856,19 +5856,16 @@
           <p:cNvCxnSpPr>
             <a:cxnSpLocks/>
             <a:stCxn id="54" idx="3"/>
-            <a:endCxn id="56" idx="1"/>
           </p:cNvCxnSpPr>
           <p:nvPr/>
         </p:nvCxnSpPr>
         <p:spPr>
-          <a:xfrm>
-            <a:off x="3788280" y="2968009"/>
-            <a:ext cx="873900" cy="600"/>
+          <a:xfrm flipV="1">
+            <a:off x="3375317" y="2028556"/>
+            <a:ext cx="422025" cy="940053"/>
           </a:xfrm>
-          <a:prstGeom prst="bentConnector3">
-            <a:avLst>
-              <a:gd name="adj1" fmla="val 50000"/>
-            </a:avLst>
+          <a:prstGeom prst="bentConnector2">
+            <a:avLst/>
           </a:prstGeom>
           <a:noFill/>
           <a:ln w="9525" cap="flat" cmpd="sng">
@@ -5915,20 +5912,21 @@
           </a:bodyPr>
           <a:lstStyle/>
           <a:p>
-            <a:pPr marL="0" lvl="0" indent="0" algn="ctr" rtl="0">
-              <a:spcBef>
-                <a:spcPts val="0"/>
-              </a:spcBef>
-              <a:spcAft>
-                <a:spcPts val="0"/>
-              </a:spcAft>
-              <a:buNone/>
-            </a:pPr>
+            <a:pPr lvl="0" algn="ctr"/>
             <a:r>
               <a:rPr lang="en" sz="1000" dirty="0"/>
-              <a:t>Scan a code repository for hardcoded API keys</a:t>
+              <a:t>Scan a code repository</a:t>
             </a:r>
-            <a:endParaRPr sz="1000" dirty="0"/>
+            <a:br>
+              <a:rPr lang="en" sz="1000" dirty="0"/>
+            </a:br>
+            <a:r>
+              <a:rPr lang="en-US" sz="1000" dirty="0">
+                <a:hlinkClick r:id="rId3"/>
+              </a:rPr>
+              <a:t>git-secrets</a:t>
+            </a:r>
+            <a:endParaRPr lang="en" sz="1000" dirty="0"/>
           </a:p>
         </p:txBody>
       </p:sp>
@@ -6013,8 +6011,14 @@
               <a:buNone/>
             </a:pPr>
             <a:r>
+              <a:rPr lang="en-US" sz="1000" dirty="0">
+                <a:hlinkClick r:id="rId4"/>
+              </a:rPr>
+              <a:t>Regula</a:t>
+            </a:r>
+            <a:r>
               <a:rPr lang="en-US" sz="1000" dirty="0"/>
-              <a:t>Regula (or similar) compliance and security scan</a:t>
+              <a:t> (or similar) compliance and security scan</a:t>
             </a:r>
             <a:endParaRPr sz="1000" dirty="0"/>
           </a:p>
@@ -6099,7 +6103,16 @@
             </a:pPr>
             <a:r>
               <a:rPr lang="en-US" sz="1000" dirty="0"/>
-              <a:t>Continuously monitor and alert with tool such as GuardDuty</a:t>
+              <a:t>Continuously monitor and alert</a:t>
+            </a:r>
+            <a:br>
+              <a:rPr lang="en-US" sz="1000" dirty="0"/>
+            </a:br>
+            <a:r>
+              <a:rPr lang="en-US" sz="1000" dirty="0">
+                <a:hlinkClick r:id="rId5"/>
+              </a:rPr>
+              <a:t>GuardDuty</a:t>
             </a:r>
             <a:endParaRPr sz="1000" dirty="0"/>
           </a:p>
@@ -6293,7 +6306,16 @@
             </a:pPr>
             <a:r>
               <a:rPr lang="en-US" sz="1000" dirty="0"/>
-              <a:t>AMI Scan (AWS Config)</a:t>
+              <a:t>AMI Scan</a:t>
+            </a:r>
+            <a:br>
+              <a:rPr lang="en-US" sz="1000" dirty="0"/>
+            </a:br>
+            <a:r>
+              <a:rPr lang="en-US" sz="1000" dirty="0">
+                <a:hlinkClick r:id="rId6"/>
+              </a:rPr>
+              <a:t>AWS Config</a:t>
             </a:r>
             <a:endParaRPr sz="1000" dirty="0"/>
           </a:p>
@@ -6501,7 +6523,7 @@
         </p:nvSpPr>
         <p:spPr>
           <a:xfrm>
-            <a:off x="3918000" y="59920"/>
+            <a:off x="3785695" y="53928"/>
             <a:ext cx="1308000" cy="597600"/>
           </a:xfrm>
           <a:prstGeom prst="rect">
@@ -6555,8 +6577,8 @@
         </p:nvCxnSpPr>
         <p:spPr>
           <a:xfrm>
-            <a:off x="5226000" y="358720"/>
-            <a:ext cx="2030723" cy="12700"/>
+            <a:off x="5093695" y="352728"/>
+            <a:ext cx="2163028" cy="5992"/>
           </a:xfrm>
           <a:prstGeom prst="bentConnector3">
             <a:avLst>
@@ -6589,7 +6611,7 @@
         </p:nvSpPr>
         <p:spPr>
           <a:xfrm>
-            <a:off x="596737" y="59920"/>
+            <a:off x="314668" y="79256"/>
             <a:ext cx="1308000" cy="597600"/>
           </a:xfrm>
           <a:prstGeom prst="rect">
@@ -6642,9 +6664,9 @@
           <p:nvPr/>
         </p:nvCxnSpPr>
         <p:spPr>
-          <a:xfrm>
-            <a:off x="1904737" y="358720"/>
-            <a:ext cx="2013263" cy="12700"/>
+          <a:xfrm flipV="1">
+            <a:off x="1622668" y="352728"/>
+            <a:ext cx="2163027" cy="25328"/>
           </a:xfrm>
           <a:prstGeom prst="bentConnector3">
             <a:avLst>
@@ -6662,6 +6684,156 @@
             <a:tailEnd type="triangle" w="med" len="med"/>
           </a:ln>
         </p:spPr>
+      </p:cxnSp>
+      <p:sp>
+        <p:nvSpPr>
+          <p:cNvPr id="31" name="Google Shape;54;p13">
+            <a:extLst>
+              <a:ext uri="{FF2B5EF4-FFF2-40B4-BE49-F238E27FC236}">
+                <a16:creationId xmlns:a16="http://schemas.microsoft.com/office/drawing/2014/main" id="{39A6C0E7-089E-6D4D-998F-26B614B74443}"/>
+              </a:ext>
+            </a:extLst>
+          </p:cNvPr>
+          <p:cNvSpPr/>
+          <p:nvPr/>
+        </p:nvSpPr>
+        <p:spPr>
+          <a:xfrm>
+            <a:off x="3231508" y="1388502"/>
+            <a:ext cx="1308000" cy="597600"/>
+          </a:xfrm>
+          <a:prstGeom prst="rect">
+            <a:avLst/>
+          </a:prstGeom>
+          <a:solidFill>
+            <a:srgbClr val="CFE2F3"/>
+          </a:solidFill>
+          <a:ln>
+            <a:noFill/>
+          </a:ln>
+        </p:spPr>
+        <p:txBody>
+          <a:bodyPr spcFirstLastPara="1" wrap="square" lIns="91425" tIns="91425" rIns="91425" bIns="91425" anchor="ctr" anchorCtr="0">
+            <a:noAutofit/>
+          </a:bodyPr>
+          <a:lstStyle/>
+          <a:p>
+            <a:pPr marL="0" lvl="0" indent="0" algn="ctr" rtl="0">
+              <a:spcBef>
+                <a:spcPts val="0"/>
+              </a:spcBef>
+              <a:spcAft>
+                <a:spcPts val="0"/>
+              </a:spcAft>
+              <a:buNone/>
+            </a:pPr>
+            <a:r>
+              <a:rPr lang="en" sz="1000" dirty="0"/>
+              <a:t>Scan OS image</a:t>
+            </a:r>
+            <a:br>
+              <a:rPr lang="en" sz="1000" dirty="0"/>
+            </a:br>
+            <a:r>
+              <a:rPr lang="en" sz="1000" dirty="0">
+                <a:hlinkClick r:id="rId7"/>
+              </a:rPr>
+              <a:t>AWS Inspector</a:t>
+            </a:r>
+            <a:endParaRPr sz="1000" dirty="0"/>
+          </a:p>
+        </p:txBody>
+      </p:sp>
+      <p:cxnSp>
+        <p:nvCxnSpPr>
+          <p:cNvPr id="8" name="Elbow Connector 7">
+            <a:extLst>
+              <a:ext uri="{FF2B5EF4-FFF2-40B4-BE49-F238E27FC236}">
+                <a16:creationId xmlns:a16="http://schemas.microsoft.com/office/drawing/2014/main" id="{F92D8699-D205-CC44-AC09-13E6366DEC3A}"/>
+              </a:ext>
+            </a:extLst>
+          </p:cNvPr>
+          <p:cNvCxnSpPr>
+            <a:stCxn id="31" idx="1"/>
+            <a:endCxn id="54" idx="0"/>
+          </p:cNvCxnSpPr>
+          <p:nvPr/>
+        </p:nvCxnSpPr>
+        <p:spPr>
+          <a:xfrm rot="10800000" flipV="1">
+            <a:off x="2721318" y="1687301"/>
+            <a:ext cx="510191" cy="982507"/>
+          </a:xfrm>
+          <a:prstGeom prst="bentConnector2">
+            <a:avLst/>
+          </a:prstGeom>
+          <a:ln>
+            <a:solidFill>
+              <a:schemeClr val="tx1"/>
+            </a:solidFill>
+            <a:tailEnd type="triangle"/>
+          </a:ln>
+        </p:spPr>
+        <p:style>
+          <a:lnRef idx="1">
+            <a:schemeClr val="accent1"/>
+          </a:lnRef>
+          <a:fillRef idx="0">
+            <a:schemeClr val="accent1"/>
+          </a:fillRef>
+          <a:effectRef idx="0">
+            <a:schemeClr val="accent1"/>
+          </a:effectRef>
+          <a:fontRef idx="minor">
+            <a:schemeClr val="tx1"/>
+          </a:fontRef>
+        </p:style>
+      </p:cxnSp>
+      <p:cxnSp>
+        <p:nvCxnSpPr>
+          <p:cNvPr id="10" name="Elbow Connector 9">
+            <a:extLst>
+              <a:ext uri="{FF2B5EF4-FFF2-40B4-BE49-F238E27FC236}">
+                <a16:creationId xmlns:a16="http://schemas.microsoft.com/office/drawing/2014/main" id="{43C5D79A-F0CB-7740-90A9-50056E2126DE}"/>
+              </a:ext>
+            </a:extLst>
+          </p:cNvPr>
+          <p:cNvCxnSpPr>
+            <a:cxnSpLocks/>
+          </p:cNvCxnSpPr>
+          <p:nvPr/>
+        </p:nvCxnSpPr>
+        <p:spPr>
+          <a:xfrm>
+            <a:off x="4525361" y="1674602"/>
+            <a:ext cx="122672" cy="1280707"/>
+          </a:xfrm>
+          <a:prstGeom prst="bentConnector3">
+            <a:avLst>
+              <a:gd name="adj1" fmla="val -84172"/>
+            </a:avLst>
+          </a:prstGeom>
+          <a:ln>
+            <a:solidFill>
+              <a:schemeClr val="tx1"/>
+            </a:solidFill>
+            <a:tailEnd type="triangle"/>
+          </a:ln>
+        </p:spPr>
+        <p:style>
+          <a:lnRef idx="1">
+            <a:schemeClr val="accent1"/>
+          </a:lnRef>
+          <a:fillRef idx="0">
+            <a:schemeClr val="accent1"/>
+          </a:fillRef>
+          <a:effectRef idx="0">
+            <a:schemeClr val="accent1"/>
+          </a:effectRef>
+          <a:fontRef idx="minor">
+            <a:schemeClr val="tx1"/>
+          </a:fontRef>
+        </p:style>
       </p:cxnSp>
     </p:spTree>
   </p:cSld>
